--- a/pics/2020-09-16-rejection_sampling/pics.pptx
+++ b/pics/2020-09-16-rejection_sampling/pics.pptx
@@ -6,9 +6,11 @@
   </p:sldMasterIdLst>
   <p:sldIdLst>
     <p:sldId id="256" r:id="rId2"/>
-    <p:sldId id="257" r:id="rId3"/>
-    <p:sldId id="258" r:id="rId4"/>
-    <p:sldId id="259" r:id="rId5"/>
+    <p:sldId id="260" r:id="rId3"/>
+    <p:sldId id="257" r:id="rId4"/>
+    <p:sldId id="261" r:id="rId5"/>
+    <p:sldId id="258" r:id="rId6"/>
+    <p:sldId id="259" r:id="rId7"/>
   </p:sldIdLst>
   <p:sldSz cx="9144000" cy="6858000" type="screen4x3"/>
   <p:notesSz cx="6858000" cy="9144000"/>
@@ -107,6 +109,22 @@
       </a:defRPr>
     </a:lvl9pPr>
   </p:defaultTextStyle>
+  <p:extLst>
+    <p:ext uri="{EFAFB233-063F-42B5-8137-9DF3F51BA10A}">
+      <p15:sldGuideLst xmlns:p15="http://schemas.microsoft.com/office/powerpoint/2012/main">
+        <p15:guide id="1" orient="horz" pos="2160">
+          <p15:clr>
+            <a:srgbClr val="A4A3A4"/>
+          </p15:clr>
+        </p15:guide>
+        <p15:guide id="2" pos="2880">
+          <p15:clr>
+            <a:srgbClr val="A4A3A4"/>
+          </p15:clr>
+        </p15:guide>
+      </p15:sldGuideLst>
+    </p:ext>
+  </p:extLst>
 </p:presentation>
 </file>
 
@@ -148,10 +166,9 @@
           <a:lstStyle/>
           <a:p>
             <a:r>
-              <a:rPr lang="ko-KR" altLang="en-US" smtClean="0"/>
+              <a:rPr lang="ko-KR" altLang="en-US"/>
               <a:t>마스터 제목 스타일 편집</a:t>
             </a:r>
-            <a:endParaRPr lang="ko-KR" altLang="en-US"/>
           </a:p>
         </p:txBody>
       </p:sp>
@@ -267,10 +284,9 @@
           </a:lstStyle>
           <a:p>
             <a:r>
-              <a:rPr lang="ko-KR" altLang="en-US" smtClean="0"/>
+              <a:rPr lang="ko-KR" altLang="en-US"/>
               <a:t>마스터 부제목 스타일 편집</a:t>
             </a:r>
-            <a:endParaRPr lang="ko-KR" altLang="en-US"/>
           </a:p>
         </p:txBody>
       </p:sp>
@@ -291,7 +307,7 @@
           <a:p>
             <a:fld id="{FB30EDBD-1C2D-4C1E-B459-B60219FAB484}" type="datetimeFigureOut">
               <a:rPr lang="ko-KR" altLang="en-US" smtClean="0"/>
-              <a:t>2020-09-17</a:t>
+              <a:t>2023-05-02</a:t>
             </a:fld>
             <a:endParaRPr lang="ko-KR" altLang="en-US"/>
           </a:p>
@@ -380,10 +396,9 @@
           <a:lstStyle/>
           <a:p>
             <a:r>
-              <a:rPr lang="ko-KR" altLang="en-US" smtClean="0"/>
+              <a:rPr lang="ko-KR" altLang="en-US"/>
               <a:t>마스터 제목 스타일 편집</a:t>
             </a:r>
-            <a:endParaRPr lang="ko-KR" altLang="en-US"/>
           </a:p>
         </p:txBody>
       </p:sp>
@@ -404,38 +419,37 @@
           <a:p>
             <a:pPr lvl="0"/>
             <a:r>
-              <a:rPr lang="ko-KR" altLang="en-US" smtClean="0"/>
+              <a:rPr lang="ko-KR" altLang="en-US"/>
               <a:t>마스터 텍스트 스타일을 편집합니다</a:t>
             </a:r>
           </a:p>
           <a:p>
             <a:pPr lvl="1"/>
             <a:r>
-              <a:rPr lang="ko-KR" altLang="en-US" smtClean="0"/>
+              <a:rPr lang="ko-KR" altLang="en-US"/>
               <a:t>둘째 수준</a:t>
             </a:r>
           </a:p>
           <a:p>
             <a:pPr lvl="2"/>
             <a:r>
-              <a:rPr lang="ko-KR" altLang="en-US" smtClean="0"/>
+              <a:rPr lang="ko-KR" altLang="en-US"/>
               <a:t>셋째 수준</a:t>
             </a:r>
           </a:p>
           <a:p>
             <a:pPr lvl="3"/>
             <a:r>
-              <a:rPr lang="ko-KR" altLang="en-US" smtClean="0"/>
+              <a:rPr lang="ko-KR" altLang="en-US"/>
               <a:t>넷째 수준</a:t>
             </a:r>
           </a:p>
           <a:p>
             <a:pPr lvl="4"/>
             <a:r>
-              <a:rPr lang="ko-KR" altLang="en-US" smtClean="0"/>
+              <a:rPr lang="ko-KR" altLang="en-US"/>
               <a:t>다섯째 수준</a:t>
             </a:r>
-            <a:endParaRPr lang="ko-KR" altLang="en-US"/>
           </a:p>
         </p:txBody>
       </p:sp>
@@ -456,7 +470,7 @@
           <a:p>
             <a:fld id="{FB30EDBD-1C2D-4C1E-B459-B60219FAB484}" type="datetimeFigureOut">
               <a:rPr lang="ko-KR" altLang="en-US" smtClean="0"/>
-              <a:t>2020-09-17</a:t>
+              <a:t>2023-05-02</a:t>
             </a:fld>
             <a:endParaRPr lang="ko-KR" altLang="en-US"/>
           </a:p>
@@ -550,10 +564,9 @@
           <a:lstStyle/>
           <a:p>
             <a:r>
-              <a:rPr lang="ko-KR" altLang="en-US" smtClean="0"/>
+              <a:rPr lang="ko-KR" altLang="en-US"/>
               <a:t>마스터 제목 스타일 편집</a:t>
             </a:r>
-            <a:endParaRPr lang="ko-KR" altLang="en-US"/>
           </a:p>
         </p:txBody>
       </p:sp>
@@ -579,38 +592,37 @@
           <a:p>
             <a:pPr lvl="0"/>
             <a:r>
-              <a:rPr lang="ko-KR" altLang="en-US" smtClean="0"/>
+              <a:rPr lang="ko-KR" altLang="en-US"/>
               <a:t>마스터 텍스트 스타일을 편집합니다</a:t>
             </a:r>
           </a:p>
           <a:p>
             <a:pPr lvl="1"/>
             <a:r>
-              <a:rPr lang="ko-KR" altLang="en-US" smtClean="0"/>
+              <a:rPr lang="ko-KR" altLang="en-US"/>
               <a:t>둘째 수준</a:t>
             </a:r>
           </a:p>
           <a:p>
             <a:pPr lvl="2"/>
             <a:r>
-              <a:rPr lang="ko-KR" altLang="en-US" smtClean="0"/>
+              <a:rPr lang="ko-KR" altLang="en-US"/>
               <a:t>셋째 수준</a:t>
             </a:r>
           </a:p>
           <a:p>
             <a:pPr lvl="3"/>
             <a:r>
-              <a:rPr lang="ko-KR" altLang="en-US" smtClean="0"/>
+              <a:rPr lang="ko-KR" altLang="en-US"/>
               <a:t>넷째 수준</a:t>
             </a:r>
           </a:p>
           <a:p>
             <a:pPr lvl="4"/>
             <a:r>
-              <a:rPr lang="ko-KR" altLang="en-US" smtClean="0"/>
+              <a:rPr lang="ko-KR" altLang="en-US"/>
               <a:t>다섯째 수준</a:t>
             </a:r>
-            <a:endParaRPr lang="ko-KR" altLang="en-US"/>
           </a:p>
         </p:txBody>
       </p:sp>
@@ -631,7 +643,7 @@
           <a:p>
             <a:fld id="{FB30EDBD-1C2D-4C1E-B459-B60219FAB484}" type="datetimeFigureOut">
               <a:rPr lang="ko-KR" altLang="en-US" smtClean="0"/>
-              <a:t>2020-09-17</a:t>
+              <a:t>2023-05-02</a:t>
             </a:fld>
             <a:endParaRPr lang="ko-KR" altLang="en-US"/>
           </a:p>
@@ -720,10 +732,9 @@
           <a:lstStyle/>
           <a:p>
             <a:r>
-              <a:rPr lang="ko-KR" altLang="en-US" smtClean="0"/>
+              <a:rPr lang="ko-KR" altLang="en-US"/>
               <a:t>마스터 제목 스타일 편집</a:t>
             </a:r>
-            <a:endParaRPr lang="ko-KR" altLang="en-US"/>
           </a:p>
         </p:txBody>
       </p:sp>
@@ -744,38 +755,37 @@
           <a:p>
             <a:pPr lvl="0"/>
             <a:r>
-              <a:rPr lang="ko-KR" altLang="en-US" smtClean="0"/>
+              <a:rPr lang="ko-KR" altLang="en-US"/>
               <a:t>마스터 텍스트 스타일을 편집합니다</a:t>
             </a:r>
           </a:p>
           <a:p>
             <a:pPr lvl="1"/>
             <a:r>
-              <a:rPr lang="ko-KR" altLang="en-US" smtClean="0"/>
+              <a:rPr lang="ko-KR" altLang="en-US"/>
               <a:t>둘째 수준</a:t>
             </a:r>
           </a:p>
           <a:p>
             <a:pPr lvl="2"/>
             <a:r>
-              <a:rPr lang="ko-KR" altLang="en-US" smtClean="0"/>
+              <a:rPr lang="ko-KR" altLang="en-US"/>
               <a:t>셋째 수준</a:t>
             </a:r>
           </a:p>
           <a:p>
             <a:pPr lvl="3"/>
             <a:r>
-              <a:rPr lang="ko-KR" altLang="en-US" smtClean="0"/>
+              <a:rPr lang="ko-KR" altLang="en-US"/>
               <a:t>넷째 수준</a:t>
             </a:r>
           </a:p>
           <a:p>
             <a:pPr lvl="4"/>
             <a:r>
-              <a:rPr lang="ko-KR" altLang="en-US" smtClean="0"/>
+              <a:rPr lang="ko-KR" altLang="en-US"/>
               <a:t>다섯째 수준</a:t>
             </a:r>
-            <a:endParaRPr lang="ko-KR" altLang="en-US"/>
           </a:p>
         </p:txBody>
       </p:sp>
@@ -796,7 +806,7 @@
           <a:p>
             <a:fld id="{FB30EDBD-1C2D-4C1E-B459-B60219FAB484}" type="datetimeFigureOut">
               <a:rPr lang="ko-KR" altLang="en-US" smtClean="0"/>
-              <a:t>2020-09-17</a:t>
+              <a:t>2023-05-02</a:t>
             </a:fld>
             <a:endParaRPr lang="ko-KR" altLang="en-US"/>
           </a:p>
@@ -894,10 +904,9 @@
           </a:lstStyle>
           <a:p>
             <a:r>
-              <a:rPr lang="ko-KR" altLang="en-US" smtClean="0"/>
+              <a:rPr lang="ko-KR" altLang="en-US"/>
               <a:t>마스터 제목 스타일 편집</a:t>
             </a:r>
-            <a:endParaRPr lang="ko-KR" altLang="en-US"/>
           </a:p>
         </p:txBody>
       </p:sp>
@@ -1014,7 +1023,7 @@
           <a:p>
             <a:pPr lvl="0"/>
             <a:r>
-              <a:rPr lang="ko-KR" altLang="en-US" smtClean="0"/>
+              <a:rPr lang="ko-KR" altLang="en-US"/>
               <a:t>마스터 텍스트 스타일을 편집합니다</a:t>
             </a:r>
           </a:p>
@@ -1037,7 +1046,7 @@
           <a:p>
             <a:fld id="{FB30EDBD-1C2D-4C1E-B459-B60219FAB484}" type="datetimeFigureOut">
               <a:rPr lang="ko-KR" altLang="en-US" smtClean="0"/>
-              <a:t>2020-09-17</a:t>
+              <a:t>2023-05-02</a:t>
             </a:fld>
             <a:endParaRPr lang="ko-KR" altLang="en-US"/>
           </a:p>
@@ -1126,10 +1135,9 @@
           <a:lstStyle/>
           <a:p>
             <a:r>
-              <a:rPr lang="ko-KR" altLang="en-US" smtClean="0"/>
+              <a:rPr lang="ko-KR" altLang="en-US"/>
               <a:t>마스터 제목 스타일 편집</a:t>
             </a:r>
-            <a:endParaRPr lang="ko-KR" altLang="en-US"/>
           </a:p>
         </p:txBody>
       </p:sp>
@@ -1183,38 +1191,37 @@
           <a:p>
             <a:pPr lvl="0"/>
             <a:r>
-              <a:rPr lang="ko-KR" altLang="en-US" smtClean="0"/>
+              <a:rPr lang="ko-KR" altLang="en-US"/>
               <a:t>마스터 텍스트 스타일을 편집합니다</a:t>
             </a:r>
           </a:p>
           <a:p>
             <a:pPr lvl="1"/>
             <a:r>
-              <a:rPr lang="ko-KR" altLang="en-US" smtClean="0"/>
+              <a:rPr lang="ko-KR" altLang="en-US"/>
               <a:t>둘째 수준</a:t>
             </a:r>
           </a:p>
           <a:p>
             <a:pPr lvl="2"/>
             <a:r>
-              <a:rPr lang="ko-KR" altLang="en-US" smtClean="0"/>
+              <a:rPr lang="ko-KR" altLang="en-US"/>
               <a:t>셋째 수준</a:t>
             </a:r>
           </a:p>
           <a:p>
             <a:pPr lvl="3"/>
             <a:r>
-              <a:rPr lang="ko-KR" altLang="en-US" smtClean="0"/>
+              <a:rPr lang="ko-KR" altLang="en-US"/>
               <a:t>넷째 수준</a:t>
             </a:r>
           </a:p>
           <a:p>
             <a:pPr lvl="4"/>
             <a:r>
-              <a:rPr lang="ko-KR" altLang="en-US" smtClean="0"/>
+              <a:rPr lang="ko-KR" altLang="en-US"/>
               <a:t>다섯째 수준</a:t>
             </a:r>
-            <a:endParaRPr lang="ko-KR" altLang="en-US"/>
           </a:p>
         </p:txBody>
       </p:sp>
@@ -1268,38 +1275,37 @@
           <a:p>
             <a:pPr lvl="0"/>
             <a:r>
-              <a:rPr lang="ko-KR" altLang="en-US" smtClean="0"/>
+              <a:rPr lang="ko-KR" altLang="en-US"/>
               <a:t>마스터 텍스트 스타일을 편집합니다</a:t>
             </a:r>
           </a:p>
           <a:p>
             <a:pPr lvl="1"/>
             <a:r>
-              <a:rPr lang="ko-KR" altLang="en-US" smtClean="0"/>
+              <a:rPr lang="ko-KR" altLang="en-US"/>
               <a:t>둘째 수준</a:t>
             </a:r>
           </a:p>
           <a:p>
             <a:pPr lvl="2"/>
             <a:r>
-              <a:rPr lang="ko-KR" altLang="en-US" smtClean="0"/>
+              <a:rPr lang="ko-KR" altLang="en-US"/>
               <a:t>셋째 수준</a:t>
             </a:r>
           </a:p>
           <a:p>
             <a:pPr lvl="3"/>
             <a:r>
-              <a:rPr lang="ko-KR" altLang="en-US" smtClean="0"/>
+              <a:rPr lang="ko-KR" altLang="en-US"/>
               <a:t>넷째 수준</a:t>
             </a:r>
           </a:p>
           <a:p>
             <a:pPr lvl="4"/>
             <a:r>
-              <a:rPr lang="ko-KR" altLang="en-US" smtClean="0"/>
+              <a:rPr lang="ko-KR" altLang="en-US"/>
               <a:t>다섯째 수준</a:t>
             </a:r>
-            <a:endParaRPr lang="ko-KR" altLang="en-US"/>
           </a:p>
         </p:txBody>
       </p:sp>
@@ -1320,7 +1326,7 @@
           <a:p>
             <a:fld id="{FB30EDBD-1C2D-4C1E-B459-B60219FAB484}" type="datetimeFigureOut">
               <a:rPr lang="ko-KR" altLang="en-US" smtClean="0"/>
-              <a:t>2020-09-17</a:t>
+              <a:t>2023-05-02</a:t>
             </a:fld>
             <a:endParaRPr lang="ko-KR" altLang="en-US"/>
           </a:p>
@@ -1413,10 +1419,9 @@
           </a:lstStyle>
           <a:p>
             <a:r>
-              <a:rPr lang="ko-KR" altLang="en-US" smtClean="0"/>
+              <a:rPr lang="ko-KR" altLang="en-US"/>
               <a:t>마스터 제목 스타일 편집</a:t>
             </a:r>
-            <a:endParaRPr lang="ko-KR" altLang="en-US"/>
           </a:p>
         </p:txBody>
       </p:sp>
@@ -1479,7 +1484,7 @@
           <a:p>
             <a:pPr lvl="0"/>
             <a:r>
-              <a:rPr lang="ko-KR" altLang="en-US" smtClean="0"/>
+              <a:rPr lang="ko-KR" altLang="en-US"/>
               <a:t>마스터 텍스트 스타일을 편집합니다</a:t>
             </a:r>
           </a:p>
@@ -1535,38 +1540,37 @@
           <a:p>
             <a:pPr lvl="0"/>
             <a:r>
-              <a:rPr lang="ko-KR" altLang="en-US" smtClean="0"/>
+              <a:rPr lang="ko-KR" altLang="en-US"/>
               <a:t>마스터 텍스트 스타일을 편집합니다</a:t>
             </a:r>
           </a:p>
           <a:p>
             <a:pPr lvl="1"/>
             <a:r>
-              <a:rPr lang="ko-KR" altLang="en-US" smtClean="0"/>
+              <a:rPr lang="ko-KR" altLang="en-US"/>
               <a:t>둘째 수준</a:t>
             </a:r>
           </a:p>
           <a:p>
             <a:pPr lvl="2"/>
             <a:r>
-              <a:rPr lang="ko-KR" altLang="en-US" smtClean="0"/>
+              <a:rPr lang="ko-KR" altLang="en-US"/>
               <a:t>셋째 수준</a:t>
             </a:r>
           </a:p>
           <a:p>
             <a:pPr lvl="3"/>
             <a:r>
-              <a:rPr lang="ko-KR" altLang="en-US" smtClean="0"/>
+              <a:rPr lang="ko-KR" altLang="en-US"/>
               <a:t>넷째 수준</a:t>
             </a:r>
           </a:p>
           <a:p>
             <a:pPr lvl="4"/>
             <a:r>
-              <a:rPr lang="ko-KR" altLang="en-US" smtClean="0"/>
+              <a:rPr lang="ko-KR" altLang="en-US"/>
               <a:t>다섯째 수준</a:t>
             </a:r>
-            <a:endParaRPr lang="ko-KR" altLang="en-US"/>
           </a:p>
         </p:txBody>
       </p:sp>
@@ -1629,7 +1633,7 @@
           <a:p>
             <a:pPr lvl="0"/>
             <a:r>
-              <a:rPr lang="ko-KR" altLang="en-US" smtClean="0"/>
+              <a:rPr lang="ko-KR" altLang="en-US"/>
               <a:t>마스터 텍스트 스타일을 편집합니다</a:t>
             </a:r>
           </a:p>
@@ -1685,38 +1689,37 @@
           <a:p>
             <a:pPr lvl="0"/>
             <a:r>
-              <a:rPr lang="ko-KR" altLang="en-US" smtClean="0"/>
+              <a:rPr lang="ko-KR" altLang="en-US"/>
               <a:t>마스터 텍스트 스타일을 편집합니다</a:t>
             </a:r>
           </a:p>
           <a:p>
             <a:pPr lvl="1"/>
             <a:r>
-              <a:rPr lang="ko-KR" altLang="en-US" smtClean="0"/>
+              <a:rPr lang="ko-KR" altLang="en-US"/>
               <a:t>둘째 수준</a:t>
             </a:r>
           </a:p>
           <a:p>
             <a:pPr lvl="2"/>
             <a:r>
-              <a:rPr lang="ko-KR" altLang="en-US" smtClean="0"/>
+              <a:rPr lang="ko-KR" altLang="en-US"/>
               <a:t>셋째 수준</a:t>
             </a:r>
           </a:p>
           <a:p>
             <a:pPr lvl="3"/>
             <a:r>
-              <a:rPr lang="ko-KR" altLang="en-US" smtClean="0"/>
+              <a:rPr lang="ko-KR" altLang="en-US"/>
               <a:t>넷째 수준</a:t>
             </a:r>
           </a:p>
           <a:p>
             <a:pPr lvl="4"/>
             <a:r>
-              <a:rPr lang="ko-KR" altLang="en-US" smtClean="0"/>
+              <a:rPr lang="ko-KR" altLang="en-US"/>
               <a:t>다섯째 수준</a:t>
             </a:r>
-            <a:endParaRPr lang="ko-KR" altLang="en-US"/>
           </a:p>
         </p:txBody>
       </p:sp>
@@ -1737,7 +1740,7 @@
           <a:p>
             <a:fld id="{FB30EDBD-1C2D-4C1E-B459-B60219FAB484}" type="datetimeFigureOut">
               <a:rPr lang="ko-KR" altLang="en-US" smtClean="0"/>
-              <a:t>2020-09-17</a:t>
+              <a:t>2023-05-02</a:t>
             </a:fld>
             <a:endParaRPr lang="ko-KR" altLang="en-US"/>
           </a:p>
@@ -1826,10 +1829,9 @@
           <a:lstStyle/>
           <a:p>
             <a:r>
-              <a:rPr lang="ko-KR" altLang="en-US" smtClean="0"/>
+              <a:rPr lang="ko-KR" altLang="en-US"/>
               <a:t>마스터 제목 스타일 편집</a:t>
             </a:r>
-            <a:endParaRPr lang="ko-KR" altLang="en-US"/>
           </a:p>
         </p:txBody>
       </p:sp>
@@ -1850,7 +1852,7 @@
           <a:p>
             <a:fld id="{FB30EDBD-1C2D-4C1E-B459-B60219FAB484}" type="datetimeFigureOut">
               <a:rPr lang="ko-KR" altLang="en-US" smtClean="0"/>
-              <a:t>2020-09-17</a:t>
+              <a:t>2023-05-02</a:t>
             </a:fld>
             <a:endParaRPr lang="ko-KR" altLang="en-US"/>
           </a:p>
@@ -1940,7 +1942,7 @@
           <a:p>
             <a:fld id="{FB30EDBD-1C2D-4C1E-B459-B60219FAB484}" type="datetimeFigureOut">
               <a:rPr lang="ko-KR" altLang="en-US" smtClean="0"/>
-              <a:t>2020-09-17</a:t>
+              <a:t>2023-05-02</a:t>
             </a:fld>
             <a:endParaRPr lang="ko-KR" altLang="en-US"/>
           </a:p>
@@ -2038,10 +2040,9 @@
           </a:lstStyle>
           <a:p>
             <a:r>
-              <a:rPr lang="ko-KR" altLang="en-US" smtClean="0"/>
+              <a:rPr lang="ko-KR" altLang="en-US"/>
               <a:t>마스터 제목 스타일 편집</a:t>
             </a:r>
-            <a:endParaRPr lang="ko-KR" altLang="en-US"/>
           </a:p>
         </p:txBody>
       </p:sp>
@@ -2095,38 +2096,37 @@
           <a:p>
             <a:pPr lvl="0"/>
             <a:r>
-              <a:rPr lang="ko-KR" altLang="en-US" smtClean="0"/>
+              <a:rPr lang="ko-KR" altLang="en-US"/>
               <a:t>마스터 텍스트 스타일을 편집합니다</a:t>
             </a:r>
           </a:p>
           <a:p>
             <a:pPr lvl="1"/>
             <a:r>
-              <a:rPr lang="ko-KR" altLang="en-US" smtClean="0"/>
+              <a:rPr lang="ko-KR" altLang="en-US"/>
               <a:t>둘째 수준</a:t>
             </a:r>
           </a:p>
           <a:p>
             <a:pPr lvl="2"/>
             <a:r>
-              <a:rPr lang="ko-KR" altLang="en-US" smtClean="0"/>
+              <a:rPr lang="ko-KR" altLang="en-US"/>
               <a:t>셋째 수준</a:t>
             </a:r>
           </a:p>
           <a:p>
             <a:pPr lvl="3"/>
             <a:r>
-              <a:rPr lang="ko-KR" altLang="en-US" smtClean="0"/>
+              <a:rPr lang="ko-KR" altLang="en-US"/>
               <a:t>넷째 수준</a:t>
             </a:r>
           </a:p>
           <a:p>
             <a:pPr lvl="4"/>
             <a:r>
-              <a:rPr lang="ko-KR" altLang="en-US" smtClean="0"/>
+              <a:rPr lang="ko-KR" altLang="en-US"/>
               <a:t>다섯째 수준</a:t>
             </a:r>
-            <a:endParaRPr lang="ko-KR" altLang="en-US"/>
           </a:p>
         </p:txBody>
       </p:sp>
@@ -2189,7 +2189,7 @@
           <a:p>
             <a:pPr lvl="0"/>
             <a:r>
-              <a:rPr lang="ko-KR" altLang="en-US" smtClean="0"/>
+              <a:rPr lang="ko-KR" altLang="en-US"/>
               <a:t>마스터 텍스트 스타일을 편집합니다</a:t>
             </a:r>
           </a:p>
@@ -2212,7 +2212,7 @@
           <a:p>
             <a:fld id="{FB30EDBD-1C2D-4C1E-B459-B60219FAB484}" type="datetimeFigureOut">
               <a:rPr lang="ko-KR" altLang="en-US" smtClean="0"/>
-              <a:t>2020-09-17</a:t>
+              <a:t>2023-05-02</a:t>
             </a:fld>
             <a:endParaRPr lang="ko-KR" altLang="en-US"/>
           </a:p>
@@ -2310,10 +2310,9 @@
           </a:lstStyle>
           <a:p>
             <a:r>
-              <a:rPr lang="ko-KR" altLang="en-US" smtClean="0"/>
+              <a:rPr lang="ko-KR" altLang="en-US"/>
               <a:t>마스터 제목 스타일 편집</a:t>
             </a:r>
-            <a:endParaRPr lang="ko-KR" altLang="en-US"/>
           </a:p>
         </p:txBody>
       </p:sp>
@@ -2437,7 +2436,7 @@
           <a:p>
             <a:pPr lvl="0"/>
             <a:r>
-              <a:rPr lang="ko-KR" altLang="en-US" smtClean="0"/>
+              <a:rPr lang="ko-KR" altLang="en-US"/>
               <a:t>마스터 텍스트 스타일을 편집합니다</a:t>
             </a:r>
           </a:p>
@@ -2460,7 +2459,7 @@
           <a:p>
             <a:fld id="{FB30EDBD-1C2D-4C1E-B459-B60219FAB484}" type="datetimeFigureOut">
               <a:rPr lang="ko-KR" altLang="en-US" smtClean="0"/>
-              <a:t>2020-09-17</a:t>
+              <a:t>2023-05-02</a:t>
             </a:fld>
             <a:endParaRPr lang="ko-KR" altLang="en-US"/>
           </a:p>
@@ -2564,10 +2563,9 @@
           <a:lstStyle/>
           <a:p>
             <a:r>
-              <a:rPr lang="ko-KR" altLang="en-US" smtClean="0"/>
+              <a:rPr lang="ko-KR" altLang="en-US"/>
               <a:t>마스터 제목 스타일 편집</a:t>
             </a:r>
-            <a:endParaRPr lang="ko-KR" altLang="en-US"/>
           </a:p>
         </p:txBody>
       </p:sp>
@@ -2598,38 +2596,37 @@
           <a:p>
             <a:pPr lvl="0"/>
             <a:r>
-              <a:rPr lang="ko-KR" altLang="en-US" smtClean="0"/>
+              <a:rPr lang="ko-KR" altLang="en-US"/>
               <a:t>마스터 텍스트 스타일을 편집합니다</a:t>
             </a:r>
           </a:p>
           <a:p>
             <a:pPr lvl="1"/>
             <a:r>
-              <a:rPr lang="ko-KR" altLang="en-US" smtClean="0"/>
+              <a:rPr lang="ko-KR" altLang="en-US"/>
               <a:t>둘째 수준</a:t>
             </a:r>
           </a:p>
           <a:p>
             <a:pPr lvl="2"/>
             <a:r>
-              <a:rPr lang="ko-KR" altLang="en-US" smtClean="0"/>
+              <a:rPr lang="ko-KR" altLang="en-US"/>
               <a:t>셋째 수준</a:t>
             </a:r>
           </a:p>
           <a:p>
             <a:pPr lvl="3"/>
             <a:r>
-              <a:rPr lang="ko-KR" altLang="en-US" smtClean="0"/>
+              <a:rPr lang="ko-KR" altLang="en-US"/>
               <a:t>넷째 수준</a:t>
             </a:r>
           </a:p>
           <a:p>
             <a:pPr lvl="4"/>
             <a:r>
-              <a:rPr lang="ko-KR" altLang="en-US" smtClean="0"/>
+              <a:rPr lang="ko-KR" altLang="en-US"/>
               <a:t>다섯째 수준</a:t>
             </a:r>
-            <a:endParaRPr lang="ko-KR" altLang="en-US"/>
           </a:p>
         </p:txBody>
       </p:sp>
@@ -2668,7 +2665,7 @@
           <a:p>
             <a:fld id="{FB30EDBD-1C2D-4C1E-B459-B60219FAB484}" type="datetimeFigureOut">
               <a:rPr lang="ko-KR" altLang="en-US" smtClean="0"/>
-              <a:t>2020-09-17</a:t>
+              <a:t>2023-05-02</a:t>
             </a:fld>
             <a:endParaRPr lang="ko-KR" altLang="en-US"/>
           </a:p>
@@ -3116,8 +3113,8 @@
           </a:fontRef>
         </p:style>
       </p:cxnSp>
-      <mc:AlternateContent xmlns:mc="http://schemas.openxmlformats.org/markup-compatibility/2006">
-        <mc:Choice xmlns:a14="http://schemas.microsoft.com/office/drawing/2010/main" Requires="a14">
+      <mc:AlternateContent xmlns:mc="http://schemas.openxmlformats.org/markup-compatibility/2006" xmlns:a14="http://schemas.microsoft.com/office/drawing/2010/main">
+        <mc:Choice Requires="a14">
           <p:sp>
             <p:nvSpPr>
               <p:cNvPr id="6" name="TextBox 5"/>
@@ -3140,6 +3137,7 @@
               </a:bodyPr>
               <a:lstStyle/>
               <a:p>
+                <a:pPr/>
                 <a14:m>
                   <m:oMathPara xmlns:m="http://schemas.openxmlformats.org/officeDocument/2006/math">
                     <m:oMathParaPr>
@@ -3150,7 +3148,7 @@
                         <m:sSubPr>
                           <m:ctrlPr>
                             <a:rPr lang="en-US" altLang="ko-KR" b="0" i="1" smtClean="0">
-                              <a:latin typeface="Cambria Math"/>
+                              <a:latin typeface="Cambria Math" panose="02040503050406030204" pitchFamily="18" charset="0"/>
                             </a:rPr>
                           </m:ctrlPr>
                         </m:sSubPr>
@@ -3179,7 +3177,7 @@
             </p:txBody>
           </p:sp>
         </mc:Choice>
-        <mc:Fallback>
+        <mc:Fallback xmlns="">
           <p:sp>
             <p:nvSpPr>
               <p:cNvPr id="6" name="TextBox 5"/>
@@ -3286,6 +3284,248 @@
       </p:grpSpPr>
       <p:pic>
         <p:nvPicPr>
+          <p:cNvPr id="3" name="Picture 2" descr="Chart, line chart&#10;&#10;Description automatically generated">
+            <a:extLst>
+              <a:ext uri="{FF2B5EF4-FFF2-40B4-BE49-F238E27FC236}">
+                <a16:creationId xmlns:a16="http://schemas.microsoft.com/office/drawing/2014/main" id="{895B91DD-FB8A-0D96-246D-2DD91FC9E183}"/>
+              </a:ext>
+            </a:extLst>
+          </p:cNvPr>
+          <p:cNvPicPr>
+            <a:picLocks noChangeAspect="1"/>
+          </p:cNvPicPr>
+          <p:nvPr/>
+        </p:nvPicPr>
+        <p:blipFill>
+          <a:blip r:embed="rId2">
+            <a:extLst>
+              <a:ext uri="{28A0092B-C50C-407E-A947-70E740481C1C}">
+                <a14:useLocalDpi xmlns:a14="http://schemas.microsoft.com/office/drawing/2010/main" val="0"/>
+              </a:ext>
+            </a:extLst>
+          </a:blip>
+          <a:stretch>
+            <a:fillRect/>
+          </a:stretch>
+        </p:blipFill>
+        <p:spPr>
+          <a:xfrm>
+            <a:off x="1907704" y="1430778"/>
+            <a:ext cx="5328592" cy="3996444"/>
+          </a:xfrm>
+          <a:prstGeom prst="rect">
+            <a:avLst/>
+          </a:prstGeom>
+        </p:spPr>
+      </p:pic>
+      <p:cxnSp>
+        <p:nvCxnSpPr>
+          <p:cNvPr id="5" name="직선 화살표 연결선 4"/>
+          <p:cNvCxnSpPr/>
+          <p:nvPr/>
+        </p:nvCxnSpPr>
+        <p:spPr>
+          <a:xfrm>
+            <a:off x="5220072" y="4869160"/>
+            <a:ext cx="0" cy="144016"/>
+          </a:xfrm>
+          <a:prstGeom prst="straightConnector1">
+            <a:avLst/>
+          </a:prstGeom>
+          <a:ln w="19050">
+            <a:solidFill>
+              <a:schemeClr val="tx1"/>
+            </a:solidFill>
+            <a:prstDash val="sysDash"/>
+            <a:tailEnd type="arrow"/>
+          </a:ln>
+        </p:spPr>
+        <p:style>
+          <a:lnRef idx="1">
+            <a:schemeClr val="accent1"/>
+          </a:lnRef>
+          <a:fillRef idx="0">
+            <a:schemeClr val="accent1"/>
+          </a:fillRef>
+          <a:effectRef idx="0">
+            <a:schemeClr val="accent1"/>
+          </a:effectRef>
+          <a:fontRef idx="minor">
+            <a:schemeClr val="tx1"/>
+          </a:fontRef>
+        </p:style>
+      </p:cxnSp>
+      <mc:AlternateContent xmlns:mc="http://schemas.openxmlformats.org/markup-compatibility/2006" xmlns:a14="http://schemas.microsoft.com/office/drawing/2010/main">
+        <mc:Choice Requires="a14">
+          <p:sp>
+            <p:nvSpPr>
+              <p:cNvPr id="6" name="TextBox 5"/>
+              <p:cNvSpPr txBox="1"/>
+              <p:nvPr/>
+            </p:nvSpPr>
+            <p:spPr>
+              <a:xfrm>
+                <a:off x="4972600" y="5013176"/>
+                <a:ext cx="494944" cy="369332"/>
+              </a:xfrm>
+              <a:prstGeom prst="rect">
+                <a:avLst/>
+              </a:prstGeom>
+              <a:noFill/>
+            </p:spPr>
+            <p:txBody>
+              <a:bodyPr wrap="none" rtlCol="0">
+                <a:spAutoFit/>
+              </a:bodyPr>
+              <a:lstStyle/>
+              <a:p>
+                <a:pPr/>
+                <a14:m>
+                  <m:oMathPara xmlns:m="http://schemas.openxmlformats.org/officeDocument/2006/math">
+                    <m:oMathParaPr>
+                      <m:jc m:val="centerGroup"/>
+                    </m:oMathParaPr>
+                    <m:oMath xmlns:m="http://schemas.openxmlformats.org/officeDocument/2006/math">
+                      <m:sSub>
+                        <m:sSubPr>
+                          <m:ctrlPr>
+                            <a:rPr lang="en-US" altLang="ko-KR" b="0" i="1" smtClean="0">
+                              <a:latin typeface="Cambria Math" panose="02040503050406030204" pitchFamily="18" charset="0"/>
+                            </a:rPr>
+                          </m:ctrlPr>
+                        </m:sSubPr>
+                        <m:e>
+                          <m:r>
+                            <a:rPr lang="en-US" altLang="ko-KR" b="0" i="1" smtClean="0">
+                              <a:latin typeface="Cambria Math"/>
+                            </a:rPr>
+                            <m:t>𝑥</m:t>
+                          </m:r>
+                        </m:e>
+                        <m:sub>
+                          <m:r>
+                            <a:rPr lang="en-US" altLang="ko-KR" b="0" i="1" smtClean="0">
+                              <a:latin typeface="Cambria Math"/>
+                            </a:rPr>
+                            <m:t>0</m:t>
+                          </m:r>
+                        </m:sub>
+                      </m:sSub>
+                    </m:oMath>
+                  </m:oMathPara>
+                </a14:m>
+                <a:endParaRPr lang="ko-KR" altLang="en-US" dirty="0"/>
+              </a:p>
+            </p:txBody>
+          </p:sp>
+        </mc:Choice>
+        <mc:Fallback xmlns="">
+          <p:sp>
+            <p:nvSpPr>
+              <p:cNvPr id="6" name="TextBox 5"/>
+              <p:cNvSpPr txBox="1">
+                <a:spLocks noRot="1" noChangeAspect="1" noMove="1" noResize="1" noEditPoints="1" noAdjustHandles="1" noChangeArrowheads="1" noChangeShapeType="1" noTextEdit="1"/>
+              </p:cNvSpPr>
+              <p:nvPr/>
+            </p:nvSpPr>
+            <p:spPr>
+              <a:xfrm>
+                <a:off x="4972600" y="5013176"/>
+                <a:ext cx="494944" cy="369332"/>
+              </a:xfrm>
+              <a:prstGeom prst="rect">
+                <a:avLst/>
+              </a:prstGeom>
+              <a:blipFill rotWithShape="1">
+                <a:blip r:embed="rId3"/>
+                <a:stretch>
+                  <a:fillRect b="-1639"/>
+                </a:stretch>
+              </a:blipFill>
+            </p:spPr>
+            <p:txBody>
+              <a:bodyPr/>
+              <a:lstStyle/>
+              <a:p>
+                <a:r>
+                  <a:rPr lang="ko-KR" altLang="en-US">
+                    <a:noFill/>
+                  </a:rPr>
+                  <a:t> </a:t>
+                </a:r>
+              </a:p>
+            </p:txBody>
+          </p:sp>
+        </mc:Fallback>
+      </mc:AlternateContent>
+      <p:cxnSp>
+        <p:nvCxnSpPr>
+          <p:cNvPr id="9" name="직선 화살표 연결선 8"/>
+          <p:cNvCxnSpPr/>
+          <p:nvPr/>
+        </p:nvCxnSpPr>
+        <p:spPr>
+          <a:xfrm flipH="1">
+            <a:off x="5256308" y="4279552"/>
+            <a:ext cx="395812" cy="517600"/>
+          </a:xfrm>
+          <a:prstGeom prst="straightConnector1">
+            <a:avLst/>
+          </a:prstGeom>
+          <a:ln w="38100">
+            <a:solidFill>
+              <a:srgbClr val="FF0000"/>
+            </a:solidFill>
+            <a:tailEnd type="arrow"/>
+          </a:ln>
+        </p:spPr>
+        <p:style>
+          <a:lnRef idx="1">
+            <a:schemeClr val="accent1"/>
+          </a:lnRef>
+          <a:fillRef idx="0">
+            <a:schemeClr val="accent1"/>
+          </a:fillRef>
+          <a:effectRef idx="0">
+            <a:schemeClr val="accent1"/>
+          </a:effectRef>
+          <a:fontRef idx="minor">
+            <a:schemeClr val="tx1"/>
+          </a:fontRef>
+        </p:style>
+      </p:cxnSp>
+    </p:spTree>
+    <p:extLst>
+      <p:ext uri="{BB962C8B-B14F-4D97-AF65-F5344CB8AC3E}">
+        <p14:creationId xmlns:p14="http://schemas.microsoft.com/office/powerpoint/2010/main" val="283270959"/>
+      </p:ext>
+    </p:extLst>
+  </p:cSld>
+  <p:clrMapOvr>
+    <a:masterClrMapping/>
+  </p:clrMapOvr>
+</p:sld>
+</file>
+
+<file path=ppt/slides/slide3.xml><?xml version="1.0" encoding="utf-8"?>
+<p:sld xmlns:a="http://schemas.openxmlformats.org/drawingml/2006/main" xmlns:r="http://schemas.openxmlformats.org/officeDocument/2006/relationships" xmlns:p="http://schemas.openxmlformats.org/presentationml/2006/main">
+  <p:cSld>
+    <p:spTree>
+      <p:nvGrpSpPr>
+        <p:cNvPr id="1" name=""/>
+        <p:cNvGrpSpPr/>
+        <p:nvPr/>
+      </p:nvGrpSpPr>
+      <p:grpSpPr>
+        <a:xfrm>
+          <a:off x="0" y="0"/>
+          <a:ext cx="0" cy="0"/>
+          <a:chOff x="0" y="0"/>
+          <a:chExt cx="0" cy="0"/>
+        </a:xfrm>
+      </p:grpSpPr>
+      <p:pic>
+        <p:nvPicPr>
           <p:cNvPr id="2050" name="Picture 2" descr="D:\angeloyeo.github.io\pics\2020-09-16-rejection_sampling\pic3.png"/>
           <p:cNvPicPr>
             <a:picLocks noChangeAspect="1" noChangeArrowheads="1"/>
@@ -3363,8 +3603,8 @@
           </a:fontRef>
         </p:style>
       </p:cxnSp>
-      <mc:AlternateContent xmlns:mc="http://schemas.openxmlformats.org/markup-compatibility/2006">
-        <mc:Choice xmlns:a14="http://schemas.microsoft.com/office/drawing/2010/main" Requires="a14">
+      <mc:AlternateContent xmlns:mc="http://schemas.openxmlformats.org/markup-compatibility/2006" xmlns:a14="http://schemas.microsoft.com/office/drawing/2010/main">
+        <mc:Choice Requires="a14">
           <p:sp>
             <p:nvSpPr>
               <p:cNvPr id="6" name="TextBox 5"/>
@@ -3387,6 +3627,7 @@
               </a:bodyPr>
               <a:lstStyle/>
               <a:p>
+                <a:pPr/>
                 <a14:m>
                   <m:oMathPara xmlns:m="http://schemas.openxmlformats.org/officeDocument/2006/math">
                     <m:oMathParaPr>
@@ -3397,7 +3638,7 @@
                         <m:sSubPr>
                           <m:ctrlPr>
                             <a:rPr lang="en-US" altLang="ko-KR" b="0" i="1" smtClean="0">
-                              <a:latin typeface="Cambria Math"/>
+                              <a:latin typeface="Cambria Math" panose="02040503050406030204" pitchFamily="18" charset="0"/>
                             </a:rPr>
                           </m:ctrlPr>
                         </m:sSubPr>
@@ -3426,7 +3667,7 @@
             </p:txBody>
           </p:sp>
         </mc:Choice>
-        <mc:Fallback>
+        <mc:Fallback xmlns="">
           <p:sp>
             <p:nvSpPr>
               <p:cNvPr id="6" name="TextBox 5"/>
@@ -3533,7 +3774,7 @@
           <a:lstStyle/>
           <a:p>
             <a:r>
-              <a:rPr lang="en-US" altLang="ko-KR" b="1" dirty="0" smtClean="0">
+              <a:rPr lang="en-US" altLang="ko-KR" b="1" dirty="0">
                 <a:solidFill>
                   <a:srgbClr val="FF0000"/>
                 </a:solidFill>
@@ -3578,7 +3819,7 @@
           <a:lstStyle/>
           <a:p>
             <a:r>
-              <a:rPr lang="en-US" altLang="ko-KR" b="1" dirty="0" smtClean="0">
+              <a:rPr lang="en-US" altLang="ko-KR" b="1" dirty="0">
                 <a:solidFill>
                   <a:schemeClr val="accent1"/>
                 </a:solidFill>
@@ -3606,7 +3847,342 @@
 </p:sld>
 </file>
 
-<file path=ppt/slides/slide3.xml><?xml version="1.0" encoding="utf-8"?>
+<file path=ppt/slides/slide4.xml><?xml version="1.0" encoding="utf-8"?>
+<p:sld xmlns:a="http://schemas.openxmlformats.org/drawingml/2006/main" xmlns:r="http://schemas.openxmlformats.org/officeDocument/2006/relationships" xmlns:p="http://schemas.openxmlformats.org/presentationml/2006/main">
+  <p:cSld>
+    <p:spTree>
+      <p:nvGrpSpPr>
+        <p:cNvPr id="1" name=""/>
+        <p:cNvGrpSpPr/>
+        <p:nvPr/>
+      </p:nvGrpSpPr>
+      <p:grpSpPr>
+        <a:xfrm>
+          <a:off x="0" y="0"/>
+          <a:ext cx="0" cy="0"/>
+          <a:chOff x="0" y="0"/>
+          <a:chExt cx="0" cy="0"/>
+        </a:xfrm>
+      </p:grpSpPr>
+      <p:pic>
+        <p:nvPicPr>
+          <p:cNvPr id="3" name="Picture 2" descr="Chart, line chart&#10;&#10;Description automatically generated">
+            <a:extLst>
+              <a:ext uri="{FF2B5EF4-FFF2-40B4-BE49-F238E27FC236}">
+                <a16:creationId xmlns:a16="http://schemas.microsoft.com/office/drawing/2014/main" id="{DB7797FA-FCC8-E570-463C-6C36F6C108B5}"/>
+              </a:ext>
+            </a:extLst>
+          </p:cNvPr>
+          <p:cNvPicPr>
+            <a:picLocks noChangeAspect="1"/>
+          </p:cNvPicPr>
+          <p:nvPr/>
+        </p:nvPicPr>
+        <p:blipFill>
+          <a:blip r:embed="rId2">
+            <a:extLst>
+              <a:ext uri="{28A0092B-C50C-407E-A947-70E740481C1C}">
+                <a14:useLocalDpi xmlns:a14="http://schemas.microsoft.com/office/drawing/2010/main" val="0"/>
+              </a:ext>
+            </a:extLst>
+          </a:blip>
+          <a:stretch>
+            <a:fillRect/>
+          </a:stretch>
+        </p:blipFill>
+        <p:spPr>
+          <a:xfrm>
+            <a:off x="1979712" y="1421739"/>
+            <a:ext cx="5352694" cy="4014522"/>
+          </a:xfrm>
+          <a:prstGeom prst="rect">
+            <a:avLst/>
+          </a:prstGeom>
+        </p:spPr>
+      </p:pic>
+      <p:cxnSp>
+        <p:nvCxnSpPr>
+          <p:cNvPr id="5" name="직선 화살표 연결선 4"/>
+          <p:cNvCxnSpPr/>
+          <p:nvPr/>
+        </p:nvCxnSpPr>
+        <p:spPr>
+          <a:xfrm>
+            <a:off x="5220072" y="3284984"/>
+            <a:ext cx="0" cy="1728192"/>
+          </a:xfrm>
+          <a:prstGeom prst="straightConnector1">
+            <a:avLst/>
+          </a:prstGeom>
+          <a:ln w="38100">
+            <a:solidFill>
+              <a:schemeClr val="accent1"/>
+            </a:solidFill>
+            <a:prstDash val="sysDash"/>
+            <a:headEnd type="arrow" w="med" len="med"/>
+            <a:tailEnd type="arrow" w="med" len="med"/>
+          </a:ln>
+        </p:spPr>
+        <p:style>
+          <a:lnRef idx="1">
+            <a:schemeClr val="dk1"/>
+          </a:lnRef>
+          <a:fillRef idx="0">
+            <a:schemeClr val="dk1"/>
+          </a:fillRef>
+          <a:effectRef idx="0">
+            <a:schemeClr val="dk1"/>
+          </a:effectRef>
+          <a:fontRef idx="minor">
+            <a:schemeClr val="tx1"/>
+          </a:fontRef>
+        </p:style>
+      </p:cxnSp>
+      <mc:AlternateContent xmlns:mc="http://schemas.openxmlformats.org/markup-compatibility/2006" xmlns:a14="http://schemas.microsoft.com/office/drawing/2010/main">
+        <mc:Choice Requires="a14">
+          <p:sp>
+            <p:nvSpPr>
+              <p:cNvPr id="6" name="TextBox 5"/>
+              <p:cNvSpPr txBox="1"/>
+              <p:nvPr/>
+            </p:nvSpPr>
+            <p:spPr>
+              <a:xfrm>
+                <a:off x="4972600" y="5013176"/>
+                <a:ext cx="494944" cy="369332"/>
+              </a:xfrm>
+              <a:prstGeom prst="rect">
+                <a:avLst/>
+              </a:prstGeom>
+              <a:noFill/>
+            </p:spPr>
+            <p:txBody>
+              <a:bodyPr wrap="none" rtlCol="0">
+                <a:spAutoFit/>
+              </a:bodyPr>
+              <a:lstStyle/>
+              <a:p>
+                <a:pPr/>
+                <a14:m>
+                  <m:oMathPara xmlns:m="http://schemas.openxmlformats.org/officeDocument/2006/math">
+                    <m:oMathParaPr>
+                      <m:jc m:val="centerGroup"/>
+                    </m:oMathParaPr>
+                    <m:oMath xmlns:m="http://schemas.openxmlformats.org/officeDocument/2006/math">
+                      <m:sSub>
+                        <m:sSubPr>
+                          <m:ctrlPr>
+                            <a:rPr lang="en-US" altLang="ko-KR" b="0" i="1" smtClean="0">
+                              <a:latin typeface="Cambria Math" panose="02040503050406030204" pitchFamily="18" charset="0"/>
+                            </a:rPr>
+                          </m:ctrlPr>
+                        </m:sSubPr>
+                        <m:e>
+                          <m:r>
+                            <a:rPr lang="en-US" altLang="ko-KR" b="0" i="1" smtClean="0">
+                              <a:latin typeface="Cambria Math"/>
+                            </a:rPr>
+                            <m:t>𝑥</m:t>
+                          </m:r>
+                        </m:e>
+                        <m:sub>
+                          <m:r>
+                            <a:rPr lang="en-US" altLang="ko-KR" b="0" i="1" smtClean="0">
+                              <a:latin typeface="Cambria Math"/>
+                            </a:rPr>
+                            <m:t>0</m:t>
+                          </m:r>
+                        </m:sub>
+                      </m:sSub>
+                    </m:oMath>
+                  </m:oMathPara>
+                </a14:m>
+                <a:endParaRPr lang="ko-KR" altLang="en-US" dirty="0"/>
+              </a:p>
+            </p:txBody>
+          </p:sp>
+        </mc:Choice>
+        <mc:Fallback xmlns="">
+          <p:sp>
+            <p:nvSpPr>
+              <p:cNvPr id="6" name="TextBox 5"/>
+              <p:cNvSpPr txBox="1">
+                <a:spLocks noRot="1" noChangeAspect="1" noMove="1" noResize="1" noEditPoints="1" noAdjustHandles="1" noChangeArrowheads="1" noChangeShapeType="1" noTextEdit="1"/>
+              </p:cNvSpPr>
+              <p:nvPr/>
+            </p:nvSpPr>
+            <p:spPr>
+              <a:xfrm>
+                <a:off x="4972600" y="5013176"/>
+                <a:ext cx="494944" cy="369332"/>
+              </a:xfrm>
+              <a:prstGeom prst="rect">
+                <a:avLst/>
+              </a:prstGeom>
+              <a:blipFill rotWithShape="1">
+                <a:blip r:embed="rId3"/>
+                <a:stretch>
+                  <a:fillRect b="-1639"/>
+                </a:stretch>
+              </a:blipFill>
+            </p:spPr>
+            <p:txBody>
+              <a:bodyPr/>
+              <a:lstStyle/>
+              <a:p>
+                <a:r>
+                  <a:rPr lang="ko-KR" altLang="en-US">
+                    <a:noFill/>
+                  </a:rPr>
+                  <a:t> </a:t>
+                </a:r>
+              </a:p>
+            </p:txBody>
+          </p:sp>
+        </mc:Fallback>
+      </mc:AlternateContent>
+      <p:cxnSp>
+        <p:nvCxnSpPr>
+          <p:cNvPr id="10" name="직선 연결선 9"/>
+          <p:cNvCxnSpPr/>
+          <p:nvPr/>
+        </p:nvCxnSpPr>
+        <p:spPr>
+          <a:xfrm flipV="1">
+            <a:off x="5220072" y="2132856"/>
+            <a:ext cx="0" cy="1152128"/>
+          </a:xfrm>
+          <a:prstGeom prst="line">
+            <a:avLst/>
+          </a:prstGeom>
+          <a:ln w="38100">
+            <a:solidFill>
+              <a:srgbClr val="FF0000"/>
+            </a:solidFill>
+            <a:prstDash val="sysDash"/>
+            <a:headEnd type="arrow" w="med" len="med"/>
+            <a:tailEnd type="arrow" w="med" len="med"/>
+          </a:ln>
+        </p:spPr>
+        <p:style>
+          <a:lnRef idx="1">
+            <a:schemeClr val="accent1"/>
+          </a:lnRef>
+          <a:fillRef idx="0">
+            <a:schemeClr val="accent1"/>
+          </a:fillRef>
+          <a:effectRef idx="0">
+            <a:schemeClr val="accent1"/>
+          </a:effectRef>
+          <a:fontRef idx="minor">
+            <a:schemeClr val="tx1"/>
+          </a:fontRef>
+        </p:style>
+      </p:cxnSp>
+      <p:sp>
+        <p:nvSpPr>
+          <p:cNvPr id="16" name="TextBox 15"/>
+          <p:cNvSpPr txBox="1"/>
+          <p:nvPr/>
+        </p:nvSpPr>
+        <p:spPr>
+          <a:xfrm>
+            <a:off x="4312500" y="2627620"/>
+            <a:ext cx="792653" cy="369332"/>
+          </a:xfrm>
+          <a:prstGeom prst="rect">
+            <a:avLst/>
+          </a:prstGeom>
+          <a:solidFill>
+            <a:schemeClr val="bg1"/>
+          </a:solidFill>
+          <a:ln>
+            <a:solidFill>
+              <a:srgbClr val="FF0000"/>
+            </a:solidFill>
+          </a:ln>
+        </p:spPr>
+        <p:txBody>
+          <a:bodyPr wrap="none" rtlCol="0">
+            <a:spAutoFit/>
+          </a:bodyPr>
+          <a:lstStyle/>
+          <a:p>
+            <a:r>
+              <a:rPr lang="en-US" altLang="ko-KR" b="1" dirty="0">
+                <a:solidFill>
+                  <a:srgbClr val="FF0000"/>
+                </a:solidFill>
+              </a:rPr>
+              <a:t>reject</a:t>
+            </a:r>
+            <a:endParaRPr lang="ko-KR" altLang="en-US" b="1" dirty="0">
+              <a:solidFill>
+                <a:srgbClr val="FF0000"/>
+              </a:solidFill>
+            </a:endParaRPr>
+          </a:p>
+        </p:txBody>
+      </p:sp>
+      <p:sp>
+        <p:nvSpPr>
+          <p:cNvPr id="18" name="TextBox 17"/>
+          <p:cNvSpPr txBox="1"/>
+          <p:nvPr/>
+        </p:nvSpPr>
+        <p:spPr>
+          <a:xfrm>
+            <a:off x="4211960" y="4077072"/>
+            <a:ext cx="893193" cy="369332"/>
+          </a:xfrm>
+          <a:prstGeom prst="rect">
+            <a:avLst/>
+          </a:prstGeom>
+          <a:solidFill>
+            <a:schemeClr val="bg1"/>
+          </a:solidFill>
+          <a:ln>
+            <a:solidFill>
+              <a:schemeClr val="accent1"/>
+            </a:solidFill>
+          </a:ln>
+        </p:spPr>
+        <p:txBody>
+          <a:bodyPr wrap="none" rtlCol="0">
+            <a:spAutoFit/>
+          </a:bodyPr>
+          <a:lstStyle/>
+          <a:p>
+            <a:r>
+              <a:rPr lang="en-US" altLang="ko-KR" b="1" dirty="0">
+                <a:solidFill>
+                  <a:schemeClr val="accent1"/>
+                </a:solidFill>
+              </a:rPr>
+              <a:t>accept</a:t>
+            </a:r>
+            <a:endParaRPr lang="ko-KR" altLang="en-US" b="1" dirty="0">
+              <a:solidFill>
+                <a:schemeClr val="accent1"/>
+              </a:solidFill>
+            </a:endParaRPr>
+          </a:p>
+        </p:txBody>
+      </p:sp>
+    </p:spTree>
+    <p:extLst>
+      <p:ext uri="{BB962C8B-B14F-4D97-AF65-F5344CB8AC3E}">
+        <p14:creationId xmlns:p14="http://schemas.microsoft.com/office/powerpoint/2010/main" val="894431635"/>
+      </p:ext>
+    </p:extLst>
+  </p:cSld>
+  <p:clrMapOvr>
+    <a:masterClrMapping/>
+  </p:clrMapOvr>
+</p:sld>
+</file>
+
+<file path=ppt/slides/slide5.xml><?xml version="1.0" encoding="utf-8"?>
 <p:sld xmlns:a="http://schemas.openxmlformats.org/drawingml/2006/main" xmlns:r="http://schemas.openxmlformats.org/officeDocument/2006/relationships" xmlns:p="http://schemas.openxmlformats.org/presentationml/2006/main">
   <p:cSld>
     <p:spTree>
@@ -3700,7 +4276,7 @@
 </p:sld>
 </file>
 
-<file path=ppt/slides/slide4.xml><?xml version="1.0" encoding="utf-8"?>
+<file path=ppt/slides/slide6.xml><?xml version="1.0" encoding="utf-8"?>
 <p:sld xmlns:a="http://schemas.openxmlformats.org/drawingml/2006/main" xmlns:r="http://schemas.openxmlformats.org/officeDocument/2006/relationships" xmlns:p="http://schemas.openxmlformats.org/presentationml/2006/main">
   <p:cSld>
     <p:spTree>
